--- a/Fase 3/Evidencias del Proyecto/Presentación_Final_Proyecto.pptx
+++ b/Fase 3/Evidencias del Proyecto/Presentación_Final_Proyecto.pptx
@@ -5017,7 +5017,7 @@
         <p:spPr>
           <a:xfrm rot="0">
             <a:off x="11522586" y="4590288"/>
-            <a:ext cx="5065302" cy="1220723"/>
+            <a:ext cx="2938728" cy="1220723"/>
           </a:xfrm>
           <a:prstGeom prst="rect">
             <a:avLst/>
@@ -5569,7 +5569,7 @@
                   <a:cs typeface="Bryndan Write"/>
                   <a:sym typeface="Bryndan Write"/>
                 </a:rPr>
-                <a:t>Iteraciones cortas y Flexibilidad para ajustes de tareas en el cronograma</a:t>
+                <a:t>Reuniones frecuentes y Flexibilidad para ajustes de tareas en el cronograma</a:t>
               </a:r>
             </a:p>
           </p:txBody>
@@ -5898,7 +5898,7 @@
                   <a:cs typeface="Bryndan Write"/>
                   <a:sym typeface="Bryndan Write"/>
                 </a:rPr>
-                <a:t>Uso de Trello/GitHub, roles claros y reuniones periódicas.</a:t>
+                <a:t>Uso de Trello, roles claros y reuniones periódicas.</a:t>
               </a:r>
             </a:p>
           </p:txBody>
@@ -6938,7 +6938,7 @@
         </p:nvSpPr>
         <p:spPr>
           <a:xfrm rot="0">
-            <a:off x="1090582" y="2410305"/>
+            <a:off x="1100107" y="2410305"/>
             <a:ext cx="8154336" cy="2637352"/>
           </a:xfrm>
           <a:prstGeom prst="rect">
